--- a/Introduction.pptx
+++ b/Introduction.pptx
@@ -114,6 +114,11 @@
       </a:defRPr>
     </a:lvl9pPr>
   </p:defaultTextStyle>
+  <p:extLst>
+    <p:ext uri="{EFAFB233-063F-42B5-8137-9DF3F51BA10A}">
+      <p15:sldGuideLst xmlns:p15="http://schemas.microsoft.com/office/powerpoint/2012/main"/>
+    </p:ext>
+  </p:extLst>
 </p:presentation>
 </file>
 
@@ -199,7 +204,7 @@
           <a:p>
             <a:fld id="{2794FD12-12B0-4950-9B55-19196ABECA23}" type="datetimeFigureOut">
               <a:rPr lang="zh-CN" altLang="en-US" smtClean="0"/>
-              <a:t>2019/9/17</a:t>
+              <a:t>2019/9/18</a:t>
             </a:fld>
             <a:endParaRPr lang="zh-CN" altLang="en-US"/>
           </a:p>
@@ -862,7 +867,7 @@
           <a:p>
             <a:fld id="{9DADBE87-DC15-4A55-87FB-4255E1D150DD}" type="datetimeFigureOut">
               <a:rPr lang="zh-CN" altLang="en-US" smtClean="0"/>
-              <a:t>2019/9/17</a:t>
+              <a:t>2019/9/18</a:t>
             </a:fld>
             <a:endParaRPr lang="zh-CN" altLang="en-US"/>
           </a:p>
@@ -1032,7 +1037,7 @@
           <a:p>
             <a:fld id="{9DADBE87-DC15-4A55-87FB-4255E1D150DD}" type="datetimeFigureOut">
               <a:rPr lang="zh-CN" altLang="en-US" smtClean="0"/>
-              <a:t>2019/9/17</a:t>
+              <a:t>2019/9/18</a:t>
             </a:fld>
             <a:endParaRPr lang="zh-CN" altLang="en-US"/>
           </a:p>
@@ -1212,7 +1217,7 @@
           <a:p>
             <a:fld id="{9DADBE87-DC15-4A55-87FB-4255E1D150DD}" type="datetimeFigureOut">
               <a:rPr lang="zh-CN" altLang="en-US" smtClean="0"/>
-              <a:t>2019/9/17</a:t>
+              <a:t>2019/9/18</a:t>
             </a:fld>
             <a:endParaRPr lang="zh-CN" altLang="en-US"/>
           </a:p>
@@ -1382,7 +1387,7 @@
           <a:p>
             <a:fld id="{9DADBE87-DC15-4A55-87FB-4255E1D150DD}" type="datetimeFigureOut">
               <a:rPr lang="zh-CN" altLang="en-US" smtClean="0"/>
-              <a:t>2019/9/17</a:t>
+              <a:t>2019/9/18</a:t>
             </a:fld>
             <a:endParaRPr lang="zh-CN" altLang="en-US"/>
           </a:p>
@@ -1628,7 +1633,7 @@
           <a:p>
             <a:fld id="{9DADBE87-DC15-4A55-87FB-4255E1D150DD}" type="datetimeFigureOut">
               <a:rPr lang="zh-CN" altLang="en-US" smtClean="0"/>
-              <a:t>2019/9/17</a:t>
+              <a:t>2019/9/18</a:t>
             </a:fld>
             <a:endParaRPr lang="zh-CN" altLang="en-US"/>
           </a:p>
@@ -1860,7 +1865,7 @@
           <a:p>
             <a:fld id="{9DADBE87-DC15-4A55-87FB-4255E1D150DD}" type="datetimeFigureOut">
               <a:rPr lang="zh-CN" altLang="en-US" smtClean="0"/>
-              <a:t>2019/9/17</a:t>
+              <a:t>2019/9/18</a:t>
             </a:fld>
             <a:endParaRPr lang="zh-CN" altLang="en-US"/>
           </a:p>
@@ -2227,7 +2232,7 @@
           <a:p>
             <a:fld id="{9DADBE87-DC15-4A55-87FB-4255E1D150DD}" type="datetimeFigureOut">
               <a:rPr lang="zh-CN" altLang="en-US" smtClean="0"/>
-              <a:t>2019/9/17</a:t>
+              <a:t>2019/9/18</a:t>
             </a:fld>
             <a:endParaRPr lang="zh-CN" altLang="en-US"/>
           </a:p>
@@ -2345,7 +2350,7 @@
           <a:p>
             <a:fld id="{9DADBE87-DC15-4A55-87FB-4255E1D150DD}" type="datetimeFigureOut">
               <a:rPr lang="zh-CN" altLang="en-US" smtClean="0"/>
-              <a:t>2019/9/17</a:t>
+              <a:t>2019/9/18</a:t>
             </a:fld>
             <a:endParaRPr lang="zh-CN" altLang="en-US"/>
           </a:p>
@@ -2440,7 +2445,7 @@
           <a:p>
             <a:fld id="{9DADBE87-DC15-4A55-87FB-4255E1D150DD}" type="datetimeFigureOut">
               <a:rPr lang="zh-CN" altLang="en-US" smtClean="0"/>
-              <a:t>2019/9/17</a:t>
+              <a:t>2019/9/18</a:t>
             </a:fld>
             <a:endParaRPr lang="zh-CN" altLang="en-US"/>
           </a:p>
@@ -2717,7 +2722,7 @@
           <a:p>
             <a:fld id="{9DADBE87-DC15-4A55-87FB-4255E1D150DD}" type="datetimeFigureOut">
               <a:rPr lang="zh-CN" altLang="en-US" smtClean="0"/>
-              <a:t>2019/9/17</a:t>
+              <a:t>2019/9/18</a:t>
             </a:fld>
             <a:endParaRPr lang="zh-CN" altLang="en-US"/>
           </a:p>
@@ -2970,7 +2975,7 @@
           <a:p>
             <a:fld id="{9DADBE87-DC15-4A55-87FB-4255E1D150DD}" type="datetimeFigureOut">
               <a:rPr lang="zh-CN" altLang="en-US" smtClean="0"/>
-              <a:t>2019/9/17</a:t>
+              <a:t>2019/9/18</a:t>
             </a:fld>
             <a:endParaRPr lang="zh-CN" altLang="en-US"/>
           </a:p>
@@ -3183,7 +3188,7 @@
           <a:p>
             <a:fld id="{9DADBE87-DC15-4A55-87FB-4255E1D150DD}" type="datetimeFigureOut">
               <a:rPr lang="zh-CN" altLang="en-US" smtClean="0"/>
-              <a:t>2019/9/17</a:t>
+              <a:t>2019/9/18</a:t>
             </a:fld>
             <a:endParaRPr lang="zh-CN" altLang="en-US"/>
           </a:p>
@@ -3917,12 +3922,8 @@
           </a:p>
           <a:p>
             <a:r>
-              <a:rPr lang="en-US" altLang="zh-CN" dirty="0" err="1"/>
-              <a:t>Outpu</a:t>
-            </a:r>
-            <a:r>
-              <a:rPr lang="en-US" altLang="zh-CN" dirty="0"/>
-              <a:t>:</a:t>
+              <a:rPr lang="en-US" altLang="zh-CN" smtClean="0"/>
+              <a:t>Output:</a:t>
             </a:r>
             <a:r>
               <a:rPr lang="ja-JP" altLang="en-US" dirty="0">
